--- a/لینک ویدیو های پروژه درس بینایی ماشین.pptx
+++ b/لینک ویدیو های پروژه درس بینایی ماشین.pptx
@@ -15,6 +15,8 @@
     <p:sldId id="267" r:id="rId9"/>
     <p:sldId id="269" r:id="rId10"/>
     <p:sldId id="270" r:id="rId11"/>
+    <p:sldId id="271" r:id="rId12"/>
+    <p:sldId id="272" r:id="rId13"/>
   </p:sldIdLst>
   <p:sldSz cx="12192000" cy="6858000"/>
   <p:notesSz cx="6858000" cy="9144000"/>
@@ -583,7 +585,7 @@
           <a:p>
             <a:fld id="{DDA51639-B2D6-4652-B8C3-1B4C224A7BAF}" type="datetimeFigureOut">
               <a:rPr lang="en-US" dirty="0"/>
-              <a:t>6/11/2023</a:t>
+              <a:t>7/3/2023</a:t>
             </a:fld>
             <a:endParaRPr lang="en-US" dirty="0"/>
           </a:p>
@@ -781,7 +783,7 @@
           <a:p>
             <a:fld id="{D11A6AA8-A04B-4104-9AE2-BD48D340E27F}" type="datetimeFigureOut">
               <a:rPr lang="en-US" dirty="0"/>
-              <a:t>6/11/2023</a:t>
+              <a:t>7/3/2023</a:t>
             </a:fld>
             <a:endParaRPr lang="en-US" dirty="0"/>
           </a:p>
@@ -956,7 +958,7 @@
           <a:p>
             <a:fld id="{B4E0BF79-FAC6-4A96-8DE1-F7B82E2E1652}" type="datetimeFigureOut">
               <a:rPr lang="en-US" dirty="0"/>
-              <a:t>6/11/2023</a:t>
+              <a:t>7/3/2023</a:t>
             </a:fld>
             <a:endParaRPr lang="en-US" dirty="0"/>
           </a:p>
@@ -1121,7 +1123,7 @@
           <a:p>
             <a:fld id="{82FF5DD9-2C52-442D-92E2-8072C0C3D7CD}" type="datetimeFigureOut">
               <a:rPr lang="en-US" dirty="0"/>
-              <a:t>6/11/2023</a:t>
+              <a:t>7/3/2023</a:t>
             </a:fld>
             <a:endParaRPr lang="en-US" dirty="0"/>
           </a:p>
@@ -1688,7 +1690,7 @@
           <a:p>
             <a:fld id="{C44961B7-6B89-48AB-966F-622E2788EECC}" type="datetimeFigureOut">
               <a:rPr lang="en-US" dirty="0"/>
-              <a:t>6/11/2023</a:t>
+              <a:t>7/3/2023</a:t>
             </a:fld>
             <a:endParaRPr lang="en-US" dirty="0"/>
           </a:p>
@@ -1985,7 +1987,7 @@
           <a:p>
             <a:fld id="{DBD3D6FB-79CC-4683-A046-BBE785BA1BED}" type="datetimeFigureOut">
               <a:rPr lang="en-US" dirty="0"/>
-              <a:t>6/11/2023</a:t>
+              <a:t>7/3/2023</a:t>
             </a:fld>
             <a:endParaRPr lang="en-US" dirty="0"/>
           </a:p>
@@ -2417,7 +2419,7 @@
           <a:p>
             <a:fld id="{9512B3E8-48F1-4B23-8498-D8A04A81EC9C}" type="datetimeFigureOut">
               <a:rPr lang="en-US" dirty="0"/>
-              <a:t>6/11/2023</a:t>
+              <a:t>7/3/2023</a:t>
             </a:fld>
             <a:endParaRPr lang="en-US" dirty="0"/>
           </a:p>
@@ -2530,7 +2532,7 @@
           <a:p>
             <a:fld id="{10B90D90-AA62-404D-A741-635B4370F9CB}" type="datetimeFigureOut">
               <a:rPr lang="en-US" dirty="0"/>
-              <a:t>6/11/2023</a:t>
+              <a:t>7/3/2023</a:t>
             </a:fld>
             <a:endParaRPr lang="en-US" dirty="0"/>
           </a:p>
@@ -2620,7 +2622,7 @@
           <a:p>
             <a:fld id="{A57002E4-6836-46D1-9DBB-3C27C0DD3A89}" type="datetimeFigureOut">
               <a:rPr lang="en-US" dirty="0"/>
-              <a:t>6/11/2023</a:t>
+              <a:t>7/3/2023</a:t>
             </a:fld>
             <a:endParaRPr lang="en-US" dirty="0"/>
           </a:p>
@@ -2997,7 +2999,7 @@
           <a:p>
             <a:fld id="{1CF131DD-A141-4471-BCF9-C6073EDD7E20}" type="datetimeFigureOut">
               <a:rPr lang="en-US" dirty="0"/>
-              <a:t>6/11/2023</a:t>
+              <a:t>7/3/2023</a:t>
             </a:fld>
             <a:endParaRPr lang="en-US" dirty="0"/>
           </a:p>
@@ -3387,7 +3389,7 @@
           <a:p>
             <a:fld id="{AB334A90-EB03-42F3-8859-2C2B2724C058}" type="datetimeFigureOut">
               <a:rPr lang="en-US" dirty="0"/>
-              <a:t>6/11/2023</a:t>
+              <a:t>7/3/2023</a:t>
             </a:fld>
             <a:endParaRPr lang="en-US" dirty="0"/>
           </a:p>
@@ -3696,7 +3698,7 @@
           <a:p>
             <a:fld id="{CBC48EC7-AF6A-48D3-8284-14BACBEBDD84}" type="datetimeFigureOut">
               <a:rPr lang="en-US" dirty="0"/>
-              <a:t>6/11/2023</a:t>
+              <a:t>7/3/2023</a:t>
             </a:fld>
             <a:endParaRPr lang="en-US" dirty="0"/>
           </a:p>
@@ -4413,6 +4415,273 @@
 </p:sld>
 </file>
 
+<file path=ppt/slides/slide11.xml><?xml version="1.0" encoding="utf-8"?>
+<p:sld xmlns:a="http://schemas.openxmlformats.org/drawingml/2006/main" xmlns:r="http://schemas.openxmlformats.org/officeDocument/2006/relationships" xmlns:p="http://schemas.openxmlformats.org/presentationml/2006/main">
+  <p:cSld>
+    <p:spTree>
+      <p:nvGrpSpPr>
+        <p:cNvPr id="1" name=""/>
+        <p:cNvGrpSpPr/>
+        <p:nvPr/>
+      </p:nvGrpSpPr>
+      <p:grpSpPr>
+        <a:xfrm>
+          <a:off x="0" y="0"/>
+          <a:ext cx="0" cy="0"/>
+          <a:chOff x="0" y="0"/>
+          <a:chExt cx="0" cy="0"/>
+        </a:xfrm>
+      </p:grpSpPr>
+      <p:sp>
+        <p:nvSpPr>
+          <p:cNvPr id="2" name="Title 1"/>
+          <p:cNvSpPr>
+            <a:spLocks noGrp="1"/>
+          </p:cNvSpPr>
+          <p:nvPr>
+            <p:ph type="title"/>
+          </p:nvPr>
+        </p:nvSpPr>
+        <p:spPr/>
+        <p:txBody>
+          <a:bodyPr/>
+          <a:lstStyle/>
+          <a:p>
+            <a:pPr algn="ctr"/>
+            <a:r>
+              <a:rPr lang="fa-IR" dirty="0" smtClean="0">
+                <a:cs typeface="B Arash" panose="00000400000000000000" pitchFamily="2" charset="-78"/>
+              </a:rPr>
+              <a:t>لینک  ویدیو توضیح سورس کد مقاله </a:t>
+            </a:r>
+            <a:endParaRPr lang="fa-IR" dirty="0">
+              <a:cs typeface="B Arash" panose="00000400000000000000" pitchFamily="2" charset="-78"/>
+            </a:endParaRPr>
+          </a:p>
+        </p:txBody>
+      </p:sp>
+      <p:sp>
+        <p:nvSpPr>
+          <p:cNvPr id="3" name="Rectangle 2"/>
+          <p:cNvSpPr/>
+          <p:nvPr/>
+        </p:nvSpPr>
+        <p:spPr>
+          <a:xfrm>
+            <a:off x="3048000" y="3105835"/>
+            <a:ext cx="6096000" cy="923330"/>
+          </a:xfrm>
+          <a:prstGeom prst="rect">
+            <a:avLst/>
+          </a:prstGeom>
+        </p:spPr>
+        <p:txBody>
+          <a:bodyPr>
+            <a:spAutoFit/>
+          </a:bodyPr>
+          <a:lstStyle/>
+          <a:p>
+            <a:r>
+              <a:rPr lang="en-US" dirty="0">
+                <a:hlinkClick r:id="rId2"/>
+              </a:rPr>
+              <a:t>https://</a:t>
+            </a:r>
+            <a:r>
+              <a:rPr lang="en-US" dirty="0" smtClean="0">
+                <a:hlinkClick r:id="rId2"/>
+              </a:rPr>
+              <a:t>drive.google.com/file/d/17sLsxGe7fmkFA2qoID_1NQeZhUDdrYyF/view?usp=drive_link</a:t>
+            </a:r>
+            <a:endParaRPr lang="en-US" dirty="0" smtClean="0"/>
+          </a:p>
+          <a:p>
+            <a:endParaRPr lang="fa-IR" dirty="0"/>
+          </a:p>
+        </p:txBody>
+      </p:sp>
+    </p:spTree>
+    <p:extLst>
+      <p:ext uri="{BB962C8B-B14F-4D97-AF65-F5344CB8AC3E}">
+        <p14:creationId xmlns:p14="http://schemas.microsoft.com/office/powerpoint/2010/main" val="3078260742"/>
+      </p:ext>
+    </p:extLst>
+  </p:cSld>
+  <p:clrMapOvr>
+    <a:masterClrMapping/>
+  </p:clrMapOvr>
+</p:sld>
+</file>
+
+<file path=ppt/slides/slide12.xml><?xml version="1.0" encoding="utf-8"?>
+<p:sld xmlns:a="http://schemas.openxmlformats.org/drawingml/2006/main" xmlns:r="http://schemas.openxmlformats.org/officeDocument/2006/relationships" xmlns:p="http://schemas.openxmlformats.org/presentationml/2006/main">
+  <p:cSld>
+    <p:spTree>
+      <p:nvGrpSpPr>
+        <p:cNvPr id="1" name=""/>
+        <p:cNvGrpSpPr/>
+        <p:nvPr/>
+      </p:nvGrpSpPr>
+      <p:grpSpPr>
+        <a:xfrm>
+          <a:off x="0" y="0"/>
+          <a:ext cx="0" cy="0"/>
+          <a:chOff x="0" y="0"/>
+          <a:chExt cx="0" cy="0"/>
+        </a:xfrm>
+      </p:grpSpPr>
+      <p:sp>
+        <p:nvSpPr>
+          <p:cNvPr id="2" name="Title 1"/>
+          <p:cNvSpPr>
+            <a:spLocks noGrp="1"/>
+          </p:cNvSpPr>
+          <p:nvPr>
+            <p:ph type="title"/>
+          </p:nvPr>
+        </p:nvSpPr>
+        <p:spPr/>
+        <p:txBody>
+          <a:bodyPr>
+            <a:normAutofit fontScale="90000"/>
+          </a:bodyPr>
+          <a:lstStyle/>
+          <a:p>
+            <a:r>
+              <a:rPr lang="fa-IR" dirty="0"/>
+              <a:t> </a:t>
+            </a:r>
+            <a:r>
+              <a:rPr lang="fa-IR" dirty="0" smtClean="0">
+                <a:cs typeface="B Arash" panose="00000400000000000000" pitchFamily="2" charset="-78"/>
+              </a:rPr>
+              <a:t>لینک مرجع سورس کد در گیت هاب و گوگل کولب</a:t>
+            </a:r>
+            <a:endParaRPr lang="fa-IR" dirty="0">
+              <a:cs typeface="B Arash" panose="00000400000000000000" pitchFamily="2" charset="-78"/>
+            </a:endParaRPr>
+          </a:p>
+        </p:txBody>
+      </p:sp>
+      <p:sp>
+        <p:nvSpPr>
+          <p:cNvPr id="3" name="Rectangle 2"/>
+          <p:cNvSpPr/>
+          <p:nvPr/>
+        </p:nvSpPr>
+        <p:spPr>
+          <a:xfrm>
+            <a:off x="3048000" y="1720840"/>
+            <a:ext cx="6096000" cy="4801314"/>
+          </a:xfrm>
+          <a:prstGeom prst="rect">
+            <a:avLst/>
+          </a:prstGeom>
+        </p:spPr>
+        <p:txBody>
+          <a:bodyPr>
+            <a:spAutoFit/>
+          </a:bodyPr>
+          <a:lstStyle/>
+          <a:p>
+            <a:r>
+              <a:rPr lang="en-US" dirty="0">
+                <a:hlinkClick r:id="rId2"/>
+              </a:rPr>
+              <a:t>https://</a:t>
+            </a:r>
+            <a:r>
+              <a:rPr lang="en-US" dirty="0" smtClean="0">
+                <a:hlinkClick r:id="rId2"/>
+              </a:rPr>
+              <a:t>www.mdpi.com/journal/applsci/special_issues/pet_imaging</a:t>
+            </a:r>
+            <a:endParaRPr lang="en-US" dirty="0" smtClean="0"/>
+          </a:p>
+          <a:p>
+            <a:endParaRPr lang="en-US" dirty="0"/>
+          </a:p>
+          <a:p>
+            <a:endParaRPr lang="en-US" dirty="0"/>
+          </a:p>
+          <a:p>
+            <a:r>
+              <a:rPr lang="en-US" dirty="0">
+                <a:hlinkClick r:id="rId3"/>
+              </a:rPr>
+              <a:t>https://</a:t>
+            </a:r>
+            <a:r>
+              <a:rPr lang="en-US" dirty="0" smtClean="0">
+                <a:hlinkClick r:id="rId3"/>
+              </a:rPr>
+              <a:t>github.com/jlherssues/pet_imagingraiz/deepPRC</a:t>
+            </a:r>
+            <a:endParaRPr lang="en-US" dirty="0" smtClean="0"/>
+          </a:p>
+          <a:p>
+            <a:endParaRPr lang="en-US" dirty="0"/>
+          </a:p>
+          <a:p>
+            <a:endParaRPr lang="en-US" dirty="0"/>
+          </a:p>
+          <a:p>
+            <a:r>
+              <a:rPr lang="en-US" dirty="0">
+                <a:hlinkClick r:id="rId4"/>
+              </a:rPr>
+              <a:t>https://</a:t>
+            </a:r>
+            <a:r>
+              <a:rPr lang="en-US" dirty="0" smtClean="0">
+                <a:hlinkClick r:id="rId4"/>
+              </a:rPr>
+              <a:t>github.com/jlherraiz/deepPRC/commit/66b9b04c79f7c2111dd4fecaade3ffc0fdd01bee</a:t>
+            </a:r>
+            <a:endParaRPr lang="en-US" dirty="0" smtClean="0"/>
+          </a:p>
+          <a:p>
+            <a:endParaRPr lang="en-US" dirty="0"/>
+          </a:p>
+          <a:p>
+            <a:endParaRPr lang="en-US" dirty="0"/>
+          </a:p>
+          <a:p>
+            <a:r>
+              <a:rPr lang="en-US" dirty="0">
+                <a:hlinkClick r:id="rId5"/>
+              </a:rPr>
+              <a:t>https://</a:t>
+            </a:r>
+            <a:r>
+              <a:rPr lang="en-US" dirty="0" smtClean="0">
+                <a:hlinkClick r:id="rId5"/>
+              </a:rPr>
+              <a:t>colab.research.google.com/github/jlherraiz/deepPRC/blob/main/PRC_GFN_UCM_UNET-3D_PATCH_FULLY3D.ipynb</a:t>
+            </a:r>
+            <a:endParaRPr lang="en-US" dirty="0" smtClean="0"/>
+          </a:p>
+          <a:p>
+            <a:endParaRPr lang="en-US" dirty="0" smtClean="0"/>
+          </a:p>
+          <a:p>
+            <a:endParaRPr lang="en-US" dirty="0"/>
+          </a:p>
+        </p:txBody>
+      </p:sp>
+    </p:spTree>
+    <p:extLst>
+      <p:ext uri="{BB962C8B-B14F-4D97-AF65-F5344CB8AC3E}">
+        <p14:creationId xmlns:p14="http://schemas.microsoft.com/office/powerpoint/2010/main" val="1180082709"/>
+      </p:ext>
+    </p:extLst>
+  </p:cSld>
+  <p:clrMapOvr>
+    <a:masterClrMapping/>
+  </p:clrMapOvr>
+</p:sld>
+</file>
+
 <file path=ppt/slides/slide2.xml><?xml version="1.0" encoding="utf-8"?>
 <p:sld xmlns:a="http://schemas.openxmlformats.org/drawingml/2006/main" xmlns:r="http://schemas.openxmlformats.org/officeDocument/2006/relationships" xmlns:p="http://schemas.openxmlformats.org/presentationml/2006/main">
   <p:cSld>
